--- a/00 - Documentation/Rendu final/Skate_LIBAULT_DOUXAMI.pptx
+++ b/00 - Documentation/Rendu final/Skate_LIBAULT_DOUXAMI.pptx
@@ -44,15 +44,15 @@
   <p:notesSz cx="6858000" cy="9144000"/>
   <p:embeddedFontLst>
     <p:embeddedFont>
-      <p:font typeface="Calibri" panose="020F0502020204030204" pitchFamily="34" charset="0"/>
+      <p:font typeface="Shadows Into Light" panose="020B0604020202020204" charset="0"/>
       <p:regular r:id="rId32"/>
-      <p:bold r:id="rId33"/>
-      <p:italic r:id="rId34"/>
-      <p:boldItalic r:id="rId35"/>
     </p:embeddedFont>
     <p:embeddedFont>
-      <p:font typeface="Shadows Into Light" panose="020B0604020202020204" charset="0"/>
-      <p:regular r:id="rId36"/>
+      <p:font typeface="Calibri" panose="020F0502020204030204" pitchFamily="34" charset="0"/>
+      <p:regular r:id="rId33"/>
+      <p:bold r:id="rId34"/>
+      <p:italic r:id="rId35"/>
+      <p:boldItalic r:id="rId36"/>
     </p:embeddedFont>
   </p:embeddedFontLst>
   <p:defaultTextStyle>
@@ -397,7 +397,7 @@
           <a:p>
             <a:fld id="{FDC11FE1-4185-41D9-B2A2-C5DCFF4A4F97}" type="datetimeFigureOut">
               <a:rPr lang="fr-FR" smtClean="0"/>
-              <a:t>01/04/2022</a:t>
+              <a:t>05/04/2022</a:t>
             </a:fld>
             <a:endParaRPr lang="fr-FR"/>
           </a:p>
@@ -1180,7 +1180,7 @@
         </p:nvSpPr>
         <p:spPr>
           <a:xfrm>
-            <a:off x="381300" y="685800"/>
+            <a:off x="381000" y="685800"/>
             <a:ext cx="6096000" cy="3429000"/>
           </a:xfrm>
           <a:custGeom>
@@ -9321,10 +9321,10 @@
               <a:buNone/>
             </a:pPr>
             <a:r>
-              <a:rPr lang="fr" b="1" u="sng"/>
+              <a:rPr lang="fr" b="1" u="sng" dirty="0"/>
               <a:t>Idées issues de l’analyse de l’EDL :</a:t>
             </a:r>
-            <a:endParaRPr b="1" u="sng"/>
+            <a:endParaRPr b="1" u="sng" dirty="0"/>
           </a:p>
           <a:p>
             <a:pPr marL="0" lvl="0" indent="0" algn="l" rtl="0">
@@ -9336,7 +9336,7 @@
               </a:spcAft>
               <a:buNone/>
             </a:pPr>
-            <a:endParaRPr b="1" u="sng"/>
+            <a:endParaRPr b="1" u="sng" dirty="0"/>
           </a:p>
           <a:p>
             <a:pPr marL="0" lvl="0" indent="0" algn="l" rtl="0">
@@ -9349,10 +9349,10 @@
               <a:buNone/>
             </a:pPr>
             <a:r>
-              <a:rPr lang="fr" sz="2400"/>
+              <a:rPr lang="fr" sz="2400" dirty="0"/>
               <a:t>→ Extraction de multiples features ; </a:t>
             </a:r>
-            <a:endParaRPr sz="2400"/>
+            <a:endParaRPr sz="2400" dirty="0"/>
           </a:p>
           <a:p>
             <a:pPr marL="0" lvl="0" indent="0" algn="l" rtl="0">
@@ -9364,7 +9364,7 @@
               </a:spcAft>
               <a:buNone/>
             </a:pPr>
-            <a:endParaRPr sz="2400"/>
+            <a:endParaRPr sz="2400" dirty="0"/>
           </a:p>
           <a:p>
             <a:pPr marL="0" lvl="0" indent="0" algn="l" rtl="0">
@@ -9377,10 +9377,10 @@
               <a:buNone/>
             </a:pPr>
             <a:r>
-              <a:rPr lang="fr" sz="2400"/>
+              <a:rPr lang="fr" sz="2400" dirty="0"/>
               <a:t>→ Mise en place de différents algorithmes de ML / IA (réseaux de neurones, random Forest…)</a:t>
             </a:r>
-            <a:endParaRPr sz="2400"/>
+            <a:endParaRPr sz="2400" dirty="0"/>
           </a:p>
           <a:p>
             <a:pPr marL="0" lvl="0" indent="0" algn="l" rtl="0">
@@ -9392,7 +9392,7 @@
               </a:spcAft>
               <a:buNone/>
             </a:pPr>
-            <a:endParaRPr sz="2400"/>
+            <a:endParaRPr sz="2400" dirty="0"/>
           </a:p>
           <a:p>
             <a:pPr marL="0" lvl="0" indent="0" algn="l" rtl="0">
@@ -9405,10 +9405,10 @@
               <a:buNone/>
             </a:pPr>
             <a:r>
-              <a:rPr lang="fr" sz="2400"/>
+              <a:rPr lang="fr" sz="2400" dirty="0"/>
               <a:t>→ Séparer l’extraction d’événements et la classification des figures.</a:t>
             </a:r>
-            <a:endParaRPr sz="2400"/>
+            <a:endParaRPr sz="2400" dirty="0"/>
           </a:p>
           <a:p>
             <a:pPr marL="0" lvl="0" indent="0" algn="l" rtl="0">
@@ -9420,7 +9420,7 @@
               </a:spcAft>
               <a:buNone/>
             </a:pPr>
-            <a:endParaRPr/>
+            <a:endParaRPr dirty="0"/>
           </a:p>
           <a:p>
             <a:pPr marL="0" lvl="0" indent="0" algn="l" rtl="0">
@@ -9433,10 +9433,10 @@
               <a:buNone/>
             </a:pPr>
             <a:r>
-              <a:rPr lang="fr" b="1" u="sng"/>
+              <a:rPr lang="fr" b="1" u="sng" dirty="0"/>
               <a:t>Mais… : </a:t>
             </a:r>
-            <a:endParaRPr b="1" u="sng"/>
+            <a:endParaRPr b="1" u="sng" dirty="0"/>
           </a:p>
           <a:p>
             <a:pPr marL="0" lvl="0" indent="0" algn="l" rtl="0">
@@ -9448,7 +9448,7 @@
               </a:spcAft>
               <a:buNone/>
             </a:pPr>
-            <a:endParaRPr b="1" u="sng"/>
+            <a:endParaRPr b="1" u="sng" dirty="0"/>
           </a:p>
           <a:p>
             <a:pPr marL="0" lvl="0" indent="0" algn="l" rtl="0">
@@ -9461,10 +9461,10 @@
               <a:buNone/>
             </a:pPr>
             <a:r>
-              <a:rPr lang="fr" sz="2400"/>
+              <a:rPr lang="fr" sz="2400" dirty="0"/>
               <a:t>→ Pas assez de données; </a:t>
             </a:r>
-            <a:endParaRPr sz="2400"/>
+            <a:endParaRPr sz="2400" dirty="0"/>
           </a:p>
           <a:p>
             <a:pPr marL="0" lvl="0" indent="0" algn="l" rtl="0">
@@ -9476,7 +9476,7 @@
               </a:spcAft>
               <a:buNone/>
             </a:pPr>
-            <a:endParaRPr sz="2400"/>
+            <a:endParaRPr sz="2400" dirty="0"/>
           </a:p>
           <a:p>
             <a:pPr marL="0" lvl="0" indent="0" algn="l" rtl="0">
@@ -9489,10 +9489,10 @@
               <a:buNone/>
             </a:pPr>
             <a:r>
-              <a:rPr lang="fr" sz="2400"/>
+              <a:rPr lang="fr" sz="2400" dirty="0"/>
               <a:t>→ Labellisation à faire manuellement chronophage…</a:t>
             </a:r>
-            <a:endParaRPr sz="2400"/>
+            <a:endParaRPr sz="2400" dirty="0"/>
           </a:p>
           <a:p>
             <a:pPr marL="0" lvl="0" indent="0" algn="l" rtl="0">
@@ -9504,7 +9504,7 @@
               </a:spcAft>
               <a:buNone/>
             </a:pPr>
-            <a:endParaRPr b="1" u="sng"/>
+            <a:endParaRPr b="1" u="sng" dirty="0"/>
           </a:p>
         </p:txBody>
       </p:sp>
@@ -9683,7 +9683,7 @@
         </p:blipFill>
         <p:spPr>
           <a:xfrm>
-            <a:off x="2021312" y="875100"/>
+            <a:off x="1920219" y="821917"/>
             <a:ext cx="5130118" cy="4038100"/>
           </a:xfrm>
           <a:prstGeom prst="rect">
@@ -10039,7 +10039,7 @@
         </p:nvSpPr>
         <p:spPr>
           <a:xfrm>
-            <a:off x="5797375" y="1606675"/>
+            <a:off x="5792220" y="1624675"/>
             <a:ext cx="178200" cy="384900"/>
           </a:xfrm>
           <a:prstGeom prst="rect">
@@ -14177,10 +14177,10 @@
               <a:buNone/>
             </a:pPr>
             <a:r>
-              <a:rPr lang="fr" sz="2350" b="1" u="sng"/>
+              <a:rPr lang="fr" sz="2350" b="1" u="sng" dirty="0"/>
               <a:t>Résultat de la détection d’événement (1er test de performance)</a:t>
             </a:r>
-            <a:endParaRPr sz="2350"/>
+            <a:endParaRPr sz="2350" dirty="0"/>
           </a:p>
           <a:p>
             <a:pPr marL="0" lvl="0" indent="0" algn="just" rtl="0">
@@ -14192,7 +14192,7 @@
               </a:spcAft>
               <a:buNone/>
             </a:pPr>
-            <a:endParaRPr/>
+            <a:endParaRPr dirty="0"/>
           </a:p>
           <a:p>
             <a:pPr marL="0" lvl="0" indent="0" algn="ctr" rtl="0">
@@ -14207,7 +14207,7 @@
               </a:spcAft>
               <a:buNone/>
             </a:pPr>
-            <a:endParaRPr/>
+            <a:endParaRPr dirty="0"/>
           </a:p>
           <a:p>
             <a:pPr marL="0" lvl="0" indent="0" algn="just" rtl="0">
@@ -14219,7 +14219,7 @@
               </a:spcAft>
               <a:buNone/>
             </a:pPr>
-            <a:endParaRPr/>
+            <a:endParaRPr dirty="0"/>
           </a:p>
           <a:p>
             <a:pPr marL="0" lvl="0" indent="0" algn="just" rtl="0">
@@ -14231,7 +14231,7 @@
               </a:spcAft>
               <a:buNone/>
             </a:pPr>
-            <a:endParaRPr/>
+            <a:endParaRPr dirty="0"/>
           </a:p>
           <a:p>
             <a:pPr marL="0" lvl="0" indent="0" algn="just" rtl="0">
@@ -14243,7 +14243,7 @@
               </a:spcAft>
               <a:buNone/>
             </a:pPr>
-            <a:endParaRPr/>
+            <a:endParaRPr dirty="0"/>
           </a:p>
           <a:p>
             <a:pPr marL="0" lvl="0" indent="0" algn="just" rtl="0">
@@ -14256,10 +14256,10 @@
               <a:buNone/>
             </a:pPr>
             <a:r>
-              <a:rPr lang="fr"/>
+              <a:rPr lang="fr" dirty="0"/>
               <a:t>→ Sensibilité de 1 (réglé pour)</a:t>
             </a:r>
-            <a:endParaRPr/>
+            <a:endParaRPr dirty="0"/>
           </a:p>
           <a:p>
             <a:pPr marL="0" lvl="0" indent="0" algn="just" rtl="0">
@@ -14271,7 +14271,7 @@
               </a:spcAft>
               <a:buNone/>
             </a:pPr>
-            <a:endParaRPr/>
+            <a:endParaRPr dirty="0"/>
           </a:p>
           <a:p>
             <a:pPr marL="0" lvl="0" indent="0" algn="just" rtl="0">
@@ -14284,10 +14284,10 @@
               <a:buNone/>
             </a:pPr>
             <a:r>
-              <a:rPr lang="fr"/>
+              <a:rPr lang="fr" dirty="0"/>
               <a:t>→ Faible précision (70%), améliorée par le seuillage</a:t>
             </a:r>
-            <a:endParaRPr/>
+            <a:endParaRPr dirty="0"/>
           </a:p>
           <a:p>
             <a:pPr marL="0" lvl="0" indent="0" algn="just" rtl="0">
@@ -14299,7 +14299,7 @@
               </a:spcAft>
               <a:buNone/>
             </a:pPr>
-            <a:endParaRPr/>
+            <a:endParaRPr dirty="0"/>
           </a:p>
         </p:txBody>
       </p:sp>
@@ -14576,10 +14576,10 @@
                         <a:buNone/>
                       </a:pPr>
                       <a:r>
-                        <a:rPr lang="fr"/>
+                        <a:rPr lang="fr" dirty="0"/>
                         <a:t>49 (FP)</a:t>
                       </a:r>
-                      <a:endParaRPr/>
+                      <a:endParaRPr dirty="0"/>
                     </a:p>
                   </a:txBody>
                   <a:tcPr marL="91425" marR="91425" marT="91425" marB="91425"/>
@@ -14599,10 +14599,10 @@
                         <a:buNone/>
                       </a:pPr>
                       <a:r>
-                        <a:rPr lang="fr"/>
+                        <a:rPr lang="fr" dirty="0"/>
                         <a:t>N/A</a:t>
                       </a:r>
-                      <a:endParaRPr/>
+                      <a:endParaRPr dirty="0"/>
                     </a:p>
                   </a:txBody>
                   <a:tcPr marL="91425" marR="91425" marT="91425" marB="91425"/>

--- a/00 - Documentation/Rendu final/Skate_LIBAULT_DOUXAMI.pptx
+++ b/00 - Documentation/Rendu final/Skate_LIBAULT_DOUXAMI.pptx
@@ -397,7 +397,7 @@
           <a:p>
             <a:fld id="{FDC11FE1-4185-41D9-B2A2-C5DCFF4A4F97}" type="datetimeFigureOut">
               <a:rPr lang="fr-FR" smtClean="0"/>
-              <a:t>05/04/2022</a:t>
+              <a:t>06/04/2022</a:t>
             </a:fld>
             <a:endParaRPr lang="fr-FR"/>
           </a:p>
@@ -8972,14 +8972,14 @@
               <a:buNone/>
             </a:pPr>
             <a:r>
-              <a:rPr lang="fr">
+              <a:rPr lang="fr" dirty="0">
                 <a:solidFill>
                   <a:srgbClr val="0B5394"/>
                 </a:solidFill>
               </a:rPr>
               <a:t>Automatiser la reconnaissance de figure de skate</a:t>
             </a:r>
-            <a:endParaRPr>
+            <a:endParaRPr dirty="0">
               <a:solidFill>
                 <a:srgbClr val="0B5394"/>
               </a:solidFill>
@@ -9216,6 +9216,13 @@
   <p:clrMapOvr>
     <a:masterClrMapping/>
   </p:clrMapOvr>
+  <p:timing>
+    <p:tnLst>
+      <p:par>
+        <p:cTn id="1" dur="indefinite" restart="never" nodeType="tmRoot"/>
+      </p:par>
+    </p:tnLst>
+  </p:timing>
 </p:sld>
 </file>
 
@@ -9555,6 +9562,13 @@
   <p:clrMapOvr>
     <a:masterClrMapping/>
   </p:clrMapOvr>
+  <p:timing>
+    <p:tnLst>
+      <p:par>
+        <p:cTn id="1" dur="indefinite" restart="never" nodeType="tmRoot"/>
+      </p:par>
+    </p:tnLst>
+  </p:timing>
 </p:sld>
 </file>
 
@@ -10168,6 +10182,13 @@
   <p:clrMapOvr>
     <a:masterClrMapping/>
   </p:clrMapOvr>
+  <p:timing>
+    <p:tnLst>
+      <p:par>
+        <p:cTn id="1" dur="indefinite" restart="never" nodeType="tmRoot"/>
+      </p:par>
+    </p:tnLst>
+  </p:timing>
 </p:sld>
 </file>
 
@@ -10444,6 +10465,13 @@
   <p:clrMapOvr>
     <a:masterClrMapping/>
   </p:clrMapOvr>
+  <p:timing>
+    <p:tnLst>
+      <p:par>
+        <p:cTn id="1" dur="indefinite" restart="never" nodeType="tmRoot"/>
+      </p:par>
+    </p:tnLst>
+  </p:timing>
 </p:sld>
 </file>
 
@@ -10917,6 +10945,13 @@
   <p:clrMapOvr>
     <a:masterClrMapping/>
   </p:clrMapOvr>
+  <p:timing>
+    <p:tnLst>
+      <p:par>
+        <p:cTn id="1" dur="indefinite" restart="never" nodeType="tmRoot"/>
+      </p:par>
+    </p:tnLst>
+  </p:timing>
 </p:sld>
 </file>
 
@@ -11112,6 +11147,13 @@
   <p:clrMapOvr>
     <a:masterClrMapping/>
   </p:clrMapOvr>
+  <p:timing>
+    <p:tnLst>
+      <p:par>
+        <p:cTn id="1" dur="indefinite" restart="never" nodeType="tmRoot"/>
+      </p:par>
+    </p:tnLst>
+  </p:timing>
 </p:sld>
 </file>
 
@@ -11573,6 +11615,13 @@
   <p:clrMapOvr>
     <a:masterClrMapping/>
   </p:clrMapOvr>
+  <p:timing>
+    <p:tnLst>
+      <p:par>
+        <p:cTn id="1" dur="indefinite" restart="never" nodeType="tmRoot"/>
+      </p:par>
+    </p:tnLst>
+  </p:timing>
 </p:sld>
 </file>
 
@@ -12017,6 +12066,13 @@
   <p:clrMapOvr>
     <a:masterClrMapping/>
   </p:clrMapOvr>
+  <p:timing>
+    <p:tnLst>
+      <p:par>
+        <p:cTn id="1" dur="indefinite" restart="never" nodeType="tmRoot"/>
+      </p:par>
+    </p:tnLst>
+  </p:timing>
 </p:sld>
 </file>
 
@@ -12362,6 +12418,13 @@
   <p:clrMapOvr>
     <a:masterClrMapping/>
   </p:clrMapOvr>
+  <p:timing>
+    <p:tnLst>
+      <p:par>
+        <p:cTn id="1" dur="indefinite" restart="never" nodeType="tmRoot"/>
+      </p:par>
+    </p:tnLst>
+  </p:timing>
 </p:sld>
 </file>
 
@@ -12805,6 +12868,13 @@
   <p:clrMapOvr>
     <a:masterClrMapping/>
   </p:clrMapOvr>
+  <p:timing>
+    <p:tnLst>
+      <p:par>
+        <p:cTn id="1" dur="indefinite" restart="never" nodeType="tmRoot"/>
+      </p:par>
+    </p:tnLst>
+  </p:timing>
 </p:sld>
 </file>
 
@@ -13152,6 +13222,13 @@
   <p:clrMapOvr>
     <a:masterClrMapping/>
   </p:clrMapOvr>
+  <p:timing>
+    <p:tnLst>
+      <p:par>
+        <p:cTn id="1" dur="indefinite" restart="never" nodeType="tmRoot"/>
+      </p:par>
+    </p:tnLst>
+  </p:timing>
 </p:sld>
 </file>
 
@@ -13399,6 +13476,13 @@
   <p:clrMapOvr>
     <a:masterClrMapping/>
   </p:clrMapOvr>
+  <p:timing>
+    <p:tnLst>
+      <p:par>
+        <p:cTn id="1" dur="indefinite" restart="never" nodeType="tmRoot"/>
+      </p:par>
+    </p:tnLst>
+  </p:timing>
 </p:sld>
 </file>
 
@@ -13796,6 +13880,13 @@
   <p:clrMapOvr>
     <a:masterClrMapping/>
   </p:clrMapOvr>
+  <p:timing>
+    <p:tnLst>
+      <p:par>
+        <p:cTn id="1" dur="indefinite" restart="never" nodeType="tmRoot"/>
+      </p:par>
+    </p:tnLst>
+  </p:timing>
 </p:sld>
 </file>
 
@@ -14072,6 +14163,13 @@
   <p:clrMapOvr>
     <a:masterClrMapping/>
   </p:clrMapOvr>
+  <p:timing>
+    <p:tnLst>
+      <p:par>
+        <p:cTn id="1" dur="indefinite" restart="never" nodeType="tmRoot"/>
+      </p:par>
+    </p:tnLst>
+  </p:timing>
 </p:sld>
 </file>
 
@@ -14622,6 +14720,13 @@
   <p:clrMapOvr>
     <a:masterClrMapping/>
   </p:clrMapOvr>
+  <p:timing>
+    <p:tnLst>
+      <p:par>
+        <p:cTn id="1" dur="indefinite" restart="never" nodeType="tmRoot"/>
+      </p:par>
+    </p:tnLst>
+  </p:timing>
 </p:sld>
 </file>
 
@@ -14911,6 +15016,13 @@
   <p:clrMapOvr>
     <a:masterClrMapping/>
   </p:clrMapOvr>
+  <p:timing>
+    <p:tnLst>
+      <p:par>
+        <p:cTn id="1" dur="indefinite" restart="never" nodeType="tmRoot"/>
+      </p:par>
+    </p:tnLst>
+  </p:timing>
 </p:sld>
 </file>
 
@@ -15138,6 +15250,13 @@
   <p:clrMapOvr>
     <a:masterClrMapping/>
   </p:clrMapOvr>
+  <p:timing>
+    <p:tnLst>
+      <p:par>
+        <p:cTn id="1" dur="indefinite" restart="never" nodeType="tmRoot"/>
+      </p:par>
+    </p:tnLst>
+  </p:timing>
 </p:sld>
 </file>
 
@@ -15399,6 +15518,13 @@
   <p:clrMapOvr>
     <a:masterClrMapping/>
   </p:clrMapOvr>
+  <p:timing>
+    <p:tnLst>
+      <p:par>
+        <p:cTn id="1" dur="indefinite" restart="never" nodeType="tmRoot"/>
+      </p:par>
+    </p:tnLst>
+  </p:timing>
 </p:sld>
 </file>
 
@@ -15663,6 +15789,13 @@
   <p:clrMapOvr>
     <a:masterClrMapping/>
   </p:clrMapOvr>
+  <p:timing>
+    <p:tnLst>
+      <p:par>
+        <p:cTn id="1" dur="indefinite" restart="never" nodeType="tmRoot"/>
+      </p:par>
+    </p:tnLst>
+  </p:timing>
 </p:sld>
 </file>
 
@@ -15768,10 +15901,10 @@
               <a:buNone/>
             </a:pPr>
             <a:r>
-              <a:rPr lang="fr" sz="4000" b="1" u="sng"/>
+              <a:rPr lang="fr" sz="4000" b="1" u="sng" dirty="0"/>
               <a:t>Les limites de notre approche</a:t>
             </a:r>
-            <a:endParaRPr sz="4000" b="1" u="sng"/>
+            <a:endParaRPr sz="4000" b="1" u="sng" dirty="0"/>
           </a:p>
           <a:p>
             <a:pPr marL="0" lvl="0" indent="0" algn="just" rtl="0">
@@ -15783,7 +15916,7 @@
               </a:spcAft>
               <a:buNone/>
             </a:pPr>
-            <a:endParaRPr sz="2350" b="1" u="sng"/>
+            <a:endParaRPr sz="2350" b="1" u="sng" dirty="0"/>
           </a:p>
           <a:p>
             <a:pPr marL="457200" lvl="0" indent="-350837" algn="just" rtl="0">
@@ -15797,10 +15930,10 @@
               <a:buChar char="-"/>
             </a:pPr>
             <a:r>
-              <a:rPr lang="fr" sz="2750"/>
+              <a:rPr lang="fr" sz="2750" dirty="0"/>
               <a:t>Encore beaucoup de mouvements parasites</a:t>
             </a:r>
-            <a:endParaRPr sz="2750"/>
+            <a:endParaRPr sz="2750" dirty="0"/>
           </a:p>
           <a:p>
             <a:pPr marL="457200" lvl="0" indent="-350837" algn="just" rtl="0">
@@ -15814,14 +15947,14 @@
               <a:buChar char="-"/>
             </a:pPr>
             <a:r>
-              <a:rPr lang="fr" sz="2750" b="1"/>
+              <a:rPr lang="fr" sz="2750" b="1" dirty="0"/>
               <a:t>…Mais</a:t>
             </a:r>
             <a:r>
-              <a:rPr lang="fr" sz="2750"/>
+              <a:rPr lang="fr" sz="2750" dirty="0"/>
               <a:t> ils sont identifiables</a:t>
             </a:r>
-            <a:endParaRPr sz="2750"/>
+            <a:endParaRPr sz="2750" dirty="0"/>
           </a:p>
           <a:p>
             <a:pPr marL="0" lvl="0" indent="0" algn="just" rtl="0">
@@ -15833,7 +15966,7 @@
               </a:spcAft>
               <a:buNone/>
             </a:pPr>
-            <a:endParaRPr sz="2550"/>
+            <a:endParaRPr sz="2550" dirty="0"/>
           </a:p>
           <a:p>
             <a:pPr marL="0" lvl="0" indent="0" algn="just" rtl="0">
@@ -15845,7 +15978,7 @@
               </a:spcAft>
               <a:buNone/>
             </a:pPr>
-            <a:endParaRPr sz="1550"/>
+            <a:endParaRPr sz="1550" dirty="0"/>
           </a:p>
           <a:p>
             <a:pPr marL="0" lvl="0" indent="0" algn="just" rtl="0">
@@ -15863,10 +15996,10 @@
               <a:buNone/>
             </a:pPr>
             <a:r>
-              <a:rPr lang="fr" sz="4000" b="1" u="sng"/>
+              <a:rPr lang="fr" sz="4000" b="1" u="sng" dirty="0"/>
               <a:t>Idées pour la suite :</a:t>
             </a:r>
-            <a:endParaRPr sz="4000" b="1" u="sng"/>
+            <a:endParaRPr sz="4000" b="1" u="sng" dirty="0"/>
           </a:p>
           <a:p>
             <a:pPr marL="0" lvl="0" indent="0" algn="just" rtl="0">
@@ -15883,7 +16016,7 @@
               <a:buFont typeface="Arial"/>
               <a:buNone/>
             </a:pPr>
-            <a:endParaRPr sz="2350" b="1" u="sng"/>
+            <a:endParaRPr sz="2350" b="1" u="sng" dirty="0"/>
           </a:p>
           <a:p>
             <a:pPr marL="457200" lvl="0" indent="-355282" algn="just" rtl="0">
@@ -15897,10 +16030,10 @@
               <a:buChar char="-"/>
             </a:pPr>
             <a:r>
-              <a:rPr lang="fr" sz="2850"/>
+              <a:rPr lang="fr" sz="2850" dirty="0"/>
               <a:t>Ajouter plus de figures</a:t>
             </a:r>
-            <a:endParaRPr sz="2850"/>
+            <a:endParaRPr sz="2850" dirty="0"/>
           </a:p>
           <a:p>
             <a:pPr marL="457200" lvl="0" indent="-355282" algn="just" rtl="0">
@@ -15914,10 +16047,10 @@
               <a:buChar char="-"/>
             </a:pPr>
             <a:r>
-              <a:rPr lang="fr" sz="2850"/>
+              <a:rPr lang="fr" sz="2850" dirty="0"/>
               <a:t>Étudier des figures impliquant la rotation du corps</a:t>
             </a:r>
-            <a:endParaRPr sz="2850"/>
+            <a:endParaRPr sz="2850" dirty="0"/>
           </a:p>
           <a:p>
             <a:pPr marL="457200" lvl="0" indent="-355282" algn="just" rtl="0">
@@ -15931,10 +16064,10 @@
               <a:buChar char="-"/>
             </a:pPr>
             <a:r>
-              <a:rPr lang="fr" sz="2850"/>
+              <a:rPr lang="fr" sz="2850" dirty="0"/>
               <a:t>Succès d’une figure</a:t>
             </a:r>
-            <a:endParaRPr sz="2850"/>
+            <a:endParaRPr sz="2850" dirty="0"/>
           </a:p>
           <a:p>
             <a:pPr marL="457200" lvl="0" indent="-355282" algn="just" rtl="0">
@@ -15948,10 +16081,10 @@
               <a:buChar char="-"/>
             </a:pPr>
             <a:r>
-              <a:rPr lang="fr" sz="2850"/>
+              <a:rPr lang="fr" sz="2850" dirty="0"/>
               <a:t>Labellisation des séquences complètes</a:t>
             </a:r>
-            <a:endParaRPr sz="2850"/>
+            <a:endParaRPr sz="2850" dirty="0"/>
           </a:p>
           <a:p>
             <a:pPr marL="0" lvl="0" indent="0" algn="just" rtl="0">
@@ -15963,7 +16096,7 @@
               </a:spcAft>
               <a:buNone/>
             </a:pPr>
-            <a:endParaRPr sz="1550"/>
+            <a:endParaRPr sz="1550" dirty="0"/>
           </a:p>
           <a:p>
             <a:pPr marL="0" lvl="0" indent="0" algn="just" rtl="0">
@@ -15975,7 +16108,7 @@
               </a:spcAft>
               <a:buNone/>
             </a:pPr>
-            <a:endParaRPr sz="2350"/>
+            <a:endParaRPr sz="2350" dirty="0"/>
           </a:p>
           <a:p>
             <a:pPr marL="0" lvl="0" indent="0" algn="just" rtl="0">
@@ -15987,7 +16120,7 @@
               </a:spcAft>
               <a:buNone/>
             </a:pPr>
-            <a:endParaRPr/>
+            <a:endParaRPr dirty="0"/>
           </a:p>
           <a:p>
             <a:pPr marL="0" lvl="0" indent="0" algn="just" rtl="0">
@@ -15999,7 +16132,7 @@
               </a:spcAft>
               <a:buNone/>
             </a:pPr>
-            <a:endParaRPr/>
+            <a:endParaRPr dirty="0"/>
           </a:p>
         </p:txBody>
       </p:sp>
@@ -16050,6 +16183,13 @@
   <p:clrMapOvr>
     <a:masterClrMapping/>
   </p:clrMapOvr>
+  <p:timing>
+    <p:tnLst>
+      <p:par>
+        <p:cTn id="1" dur="indefinite" restart="never" nodeType="tmRoot"/>
+      </p:par>
+    </p:tnLst>
+  </p:timing>
 </p:sld>
 </file>
 
@@ -16255,6 +16395,13 @@
   <p:clrMapOvr>
     <a:masterClrMapping/>
   </p:clrMapOvr>
+  <p:timing>
+    <p:tnLst>
+      <p:par>
+        <p:cTn id="1" dur="indefinite" restart="never" nodeType="tmRoot"/>
+      </p:par>
+    </p:tnLst>
+  </p:timing>
 </p:sld>
 </file>
 
@@ -16591,6 +16738,13 @@
   <p:clrMapOvr>
     <a:masterClrMapping/>
   </p:clrMapOvr>
+  <p:timing>
+    <p:tnLst>
+      <p:par>
+        <p:cTn id="1" dur="indefinite" restart="never" nodeType="tmRoot"/>
+      </p:par>
+    </p:tnLst>
+  </p:timing>
 </p:sld>
 </file>
 
@@ -17250,6 +17404,13 @@
   <p:clrMapOvr>
     <a:masterClrMapping/>
   </p:clrMapOvr>
+  <p:timing>
+    <p:tnLst>
+      <p:par>
+        <p:cTn id="1" dur="indefinite" restart="never" nodeType="tmRoot"/>
+      </p:par>
+    </p:tnLst>
+  </p:timing>
 </p:sld>
 </file>
 
@@ -17328,11 +17489,17 @@
         <p:nvGraphicFramePr>
           <p:cNvPr id="97" name="Google Shape;97;p17"/>
           <p:cNvGraphicFramePr/>
-          <p:nvPr/>
+          <p:nvPr>
+            <p:extLst>
+              <p:ext uri="{D42A27DB-BD31-4B8C-83A1-F6EECF244321}">
+                <p14:modId xmlns:p14="http://schemas.microsoft.com/office/powerpoint/2010/main" val="1656138318"/>
+              </p:ext>
+            </p:extLst>
+          </p:nvPr>
         </p:nvGraphicFramePr>
         <p:xfrm>
-          <a:off x="4352900" y="1499525"/>
-          <a:ext cx="4620575" cy="2877400"/>
+          <a:off x="4249772" y="1547651"/>
+          <a:ext cx="4620575" cy="2522492"/>
         </p:xfrm>
         <a:graphic>
           <a:graphicData uri="http://schemas.openxmlformats.org/drawingml/2006/table">
@@ -17357,7 +17524,7 @@
                   </a:extLst>
                 </a:gridCol>
               </a:tblGrid>
-              <a:tr h="609600">
+              <a:tr h="576693">
                 <a:tc>
                   <a:txBody>
                     <a:bodyPr/>
@@ -17512,7 +17679,7 @@
                   </a:ext>
                 </a:extLst>
               </a:tr>
-              <a:tr h="297875">
+              <a:tr h="281795">
                 <a:tc>
                   <a:txBody>
                     <a:bodyPr/>
@@ -17645,7 +17812,7 @@
                   </a:ext>
                 </a:extLst>
               </a:tr>
-              <a:tr h="329025">
+              <a:tr h="311264">
                 <a:tc>
                   <a:txBody>
                     <a:bodyPr/>
@@ -17778,7 +17945,7 @@
                   </a:ext>
                 </a:extLst>
               </a:tr>
-              <a:tr h="336825">
+              <a:tr h="318643">
                 <a:tc>
                   <a:txBody>
                     <a:bodyPr/>
@@ -17911,7 +18078,7 @@
                   </a:ext>
                 </a:extLst>
               </a:tr>
-              <a:tr h="430350">
+              <a:tr h="250294">
                 <a:tc>
                   <a:txBody>
                     <a:bodyPr/>
@@ -17930,10 +18097,10 @@
                         <a:buNone/>
                       </a:pPr>
                       <a:r>
-                        <a:rPr lang="fr" sz="1000" b="1"/>
+                        <a:rPr lang="fr" sz="1000" b="1" dirty="0"/>
                         <a:t>Heelflip</a:t>
                       </a:r>
-                      <a:endParaRPr sz="1000" b="1"/>
+                      <a:endParaRPr sz="1000" b="1" dirty="0"/>
                     </a:p>
                   </a:txBody>
                   <a:tcPr marL="36000" marR="68575" marT="0" marB="0">
@@ -18044,7 +18211,7 @@
                   </a:ext>
                 </a:extLst>
               </a:tr>
-              <a:tr h="430375">
+              <a:tr h="364385">
                 <a:tc>
                   <a:txBody>
                     <a:bodyPr/>
@@ -18063,10 +18230,10 @@
                         <a:buNone/>
                       </a:pPr>
                       <a:r>
-                        <a:rPr lang="fr" sz="1000" b="1"/>
+                        <a:rPr lang="fr" sz="1000" b="1" dirty="0"/>
                         <a:t>Kickflip</a:t>
                       </a:r>
-                      <a:endParaRPr sz="1000" b="1"/>
+                      <a:endParaRPr sz="1000" b="1" dirty="0"/>
                     </a:p>
                   </a:txBody>
                   <a:tcPr marL="36000" marR="68575" marT="0" marB="0">
@@ -18177,7 +18344,7 @@
                   </a:ext>
                 </a:extLst>
               </a:tr>
-              <a:tr h="443350">
+              <a:tr h="419418">
                 <a:tc>
                   <a:txBody>
                     <a:bodyPr/>
@@ -18196,10 +18363,10 @@
                         <a:buNone/>
                       </a:pPr>
                       <a:r>
-                        <a:rPr lang="fr" sz="1100" b="1"/>
+                        <a:rPr lang="fr" sz="1100" b="1" dirty="0"/>
                         <a:t>Ollie</a:t>
                       </a:r>
-                      <a:endParaRPr sz="1100" b="1"/>
+                      <a:endParaRPr sz="1100" b="1" dirty="0"/>
                     </a:p>
                   </a:txBody>
                   <a:tcPr marL="36000" marR="68575" marT="0" marB="0">
@@ -18517,6 +18684,13 @@
   <p:clrMapOvr>
     <a:masterClrMapping/>
   </p:clrMapOvr>
+  <p:timing>
+    <p:tnLst>
+      <p:par>
+        <p:cTn id="1" dur="indefinite" restart="never" nodeType="tmRoot"/>
+      </p:par>
+    </p:tnLst>
+  </p:timing>
 </p:sld>
 </file>
 
@@ -18812,6 +18986,13 @@
   <p:clrMapOvr>
     <a:masterClrMapping/>
   </p:clrMapOvr>
+  <p:timing>
+    <p:tnLst>
+      <p:par>
+        <p:cTn id="1" dur="indefinite" restart="never" nodeType="tmRoot"/>
+      </p:par>
+    </p:tnLst>
+  </p:timing>
 </p:sld>
 </file>
 
@@ -19107,6 +19288,13 @@
   <p:clrMapOvr>
     <a:masterClrMapping/>
   </p:clrMapOvr>
+  <p:timing>
+    <p:tnLst>
+      <p:par>
+        <p:cTn id="1" dur="indefinite" restart="never" nodeType="tmRoot"/>
+      </p:par>
+    </p:tnLst>
+  </p:timing>
 </p:sld>
 </file>
 
@@ -19402,6 +19590,13 @@
   <p:clrMapOvr>
     <a:masterClrMapping/>
   </p:clrMapOvr>
+  <p:timing>
+    <p:tnLst>
+      <p:par>
+        <p:cTn id="1" dur="indefinite" restart="never" nodeType="tmRoot"/>
+      </p:par>
+    </p:tnLst>
+  </p:timing>
 </p:sld>
 </file>
 
@@ -19667,6 +19862,13 @@
   <p:clrMapOvr>
     <a:masterClrMapping/>
   </p:clrMapOvr>
+  <p:timing>
+    <p:tnLst>
+      <p:par>
+        <p:cTn id="1" dur="indefinite" restart="never" nodeType="tmRoot"/>
+      </p:par>
+    </p:tnLst>
+  </p:timing>
 </p:sld>
 </file>
 
